--- a/chawmp.pptx
+++ b/chawmp.pptx
@@ -3589,11 +3589,21 @@
             <p:ph idx="1"/>
           </p:nvPr>
         </p:nvSpPr>
-        <p:spPr/>
-        <p:txBody>
-          <a:bodyPr/>
-          <a:lstStyle/>
-          <a:p>
+        <p:spPr>
+          <a:xfrm>
+            <a:off x="838200" y="1825624"/>
+            <a:ext cx="10515600" cy="4841875"/>
+          </a:xfrm>
+        </p:spPr>
+        <p:txBody>
+          <a:bodyPr>
+            <a:normAutofit/>
+          </a:bodyPr>
+          <a:lstStyle/>
+          <a:p>
+            <a:pPr marL="0" indent="0">
+              <a:buNone/>
+            </a:pPr>
             <a:r>
               <a:rPr lang="en-US" dirty="0"/>
               <a:t>Instead of treating words as tokens, we treat a day’s worth of health metrics as a token</a:t>
@@ -3601,6 +3611,36 @@
           </a:p>
           <a:p>
             <a:endParaRPr lang="en-US" dirty="0"/>
+          </a:p>
+          <a:p>
+            <a:endParaRPr lang="en-US" dirty="0"/>
+          </a:p>
+          <a:p>
+            <a:endParaRPr lang="en-US" dirty="0"/>
+          </a:p>
+          <a:p>
+            <a:endParaRPr lang="en-US" dirty="0"/>
+          </a:p>
+          <a:p>
+            <a:pPr marL="0" indent="0">
+              <a:buNone/>
+            </a:pPr>
+            <a:r>
+              <a:rPr lang="en-US" dirty="0"/>
+              <a:t>The model then tries to predict the next token from the past tokens</a:t>
+            </a:r>
+          </a:p>
+          <a:p>
+            <a:endParaRPr lang="en-US" dirty="0"/>
+          </a:p>
+          <a:p>
+            <a:pPr marL="0" indent="0">
+              <a:buNone/>
+            </a:pPr>
+            <a:r>
+              <a:rPr lang="en-US" dirty="0"/>
+              <a:t>The attention mechanism allows the model to “focus” on specific past events</a:t>
+            </a:r>
           </a:p>
         </p:txBody>
       </p:sp>
@@ -3840,6 +3880,48 @@
           </a:p>
           <a:p>
             <a:endParaRPr lang="en-US" sz="2400" dirty="0"/>
+          </a:p>
+        </p:txBody>
+      </p:sp>
+      <p:sp>
+        <p:nvSpPr>
+          <p:cNvPr id="14" name="TextBox 13">
+            <a:extLst>
+              <a:ext uri="{FF2B5EF4-FFF2-40B4-BE49-F238E27FC236}">
+                <a16:creationId xmlns:a16="http://schemas.microsoft.com/office/drawing/2014/main" id="{30B40B30-8549-4768-AA1E-1E869578D391}"/>
+              </a:ext>
+            </a:extLst>
+          </p:cNvPr>
+          <p:cNvSpPr txBox="1"/>
+          <p:nvPr/>
+        </p:nvSpPr>
+        <p:spPr>
+          <a:xfrm>
+            <a:off x="2333625" y="5319965"/>
+            <a:ext cx="7905750" cy="646331"/>
+          </a:xfrm>
+          <a:prstGeom prst="rect">
+            <a:avLst/>
+          </a:prstGeom>
+          <a:noFill/>
+        </p:spPr>
+        <p:txBody>
+          <a:bodyPr wrap="square" rtlCol="0">
+            <a:spAutoFit/>
+          </a:bodyPr>
+          <a:lstStyle/>
+          <a:p>
+            <a:r>
+              <a:rPr lang="en-US" sz="1800" dirty="0">
+                <a:latin typeface="Consolas" panose="020B0609020204030204" pitchFamily="49" charset="0"/>
+              </a:rPr>
+              <a:t>[116, 122, …], [120, 125, …], [105, 115, …] -&gt; [90, 101, …]</a:t>
+            </a:r>
+          </a:p>
+          <a:p>
+            <a:endParaRPr lang="en-US" sz="1800" dirty="0">
+              <a:latin typeface="Consolas" panose="020B0609020204030204" pitchFamily="49" charset="0"/>
+            </a:endParaRPr>
           </a:p>
         </p:txBody>
       </p:sp>
